--- a/DotNetLearnersHouse/26Dec2020_.Net5WebAPI/Documentation/RESTWebAPI_.Net5.x_EF_SQLServer.pptx
+++ b/DotNetLearnersHouse/26Dec2020_.Net5WebAPI/Documentation/RESTWebAPI_.Net5.x_EF_SQLServer.pptx
@@ -213,7 +213,7 @@
           <a:p>
             <a:fld id="{289D7669-2C4F-4057-B198-13E596C98571}" type="datetimeFigureOut">
               <a:rPr lang="en-IN" smtClean="0"/>
-              <a:t>13-12-2020</a:t>
+              <a:t>26-12-2020</a:t>
             </a:fld>
             <a:endParaRPr lang="en-IN"/>
           </a:p>
@@ -630,7 +630,7 @@
           <a:p>
             <a:fld id="{AAAFDAC1-E73E-4D41-B9D9-D9AB5226AECC}" type="datetimeFigureOut">
               <a:rPr lang="en-IN" smtClean="0"/>
-              <a:t>13-12-2020</a:t>
+              <a:t>26-12-2020</a:t>
             </a:fld>
             <a:endParaRPr lang="en-IN"/>
           </a:p>
@@ -830,7 +830,7 @@
           <a:p>
             <a:fld id="{AAAFDAC1-E73E-4D41-B9D9-D9AB5226AECC}" type="datetimeFigureOut">
               <a:rPr lang="en-IN" smtClean="0"/>
-              <a:t>13-12-2020</a:t>
+              <a:t>26-12-2020</a:t>
             </a:fld>
             <a:endParaRPr lang="en-IN"/>
           </a:p>
@@ -1040,7 +1040,7 @@
           <a:p>
             <a:fld id="{AAAFDAC1-E73E-4D41-B9D9-D9AB5226AECC}" type="datetimeFigureOut">
               <a:rPr lang="en-IN" smtClean="0"/>
-              <a:t>13-12-2020</a:t>
+              <a:t>26-12-2020</a:t>
             </a:fld>
             <a:endParaRPr lang="en-IN"/>
           </a:p>
@@ -1240,7 +1240,7 @@
           <a:p>
             <a:fld id="{AAAFDAC1-E73E-4D41-B9D9-D9AB5226AECC}" type="datetimeFigureOut">
               <a:rPr lang="en-IN" smtClean="0"/>
-              <a:t>13-12-2020</a:t>
+              <a:t>26-12-2020</a:t>
             </a:fld>
             <a:endParaRPr lang="en-IN"/>
           </a:p>
@@ -1516,7 +1516,7 @@
           <a:p>
             <a:fld id="{AAAFDAC1-E73E-4D41-B9D9-D9AB5226AECC}" type="datetimeFigureOut">
               <a:rPr lang="en-IN" smtClean="0"/>
-              <a:t>13-12-2020</a:t>
+              <a:t>26-12-2020</a:t>
             </a:fld>
             <a:endParaRPr lang="en-IN"/>
           </a:p>
@@ -1784,7 +1784,7 @@
           <a:p>
             <a:fld id="{AAAFDAC1-E73E-4D41-B9D9-D9AB5226AECC}" type="datetimeFigureOut">
               <a:rPr lang="en-IN" smtClean="0"/>
-              <a:t>13-12-2020</a:t>
+              <a:t>26-12-2020</a:t>
             </a:fld>
             <a:endParaRPr lang="en-IN"/>
           </a:p>
@@ -2199,7 +2199,7 @@
           <a:p>
             <a:fld id="{AAAFDAC1-E73E-4D41-B9D9-D9AB5226AECC}" type="datetimeFigureOut">
               <a:rPr lang="en-IN" smtClean="0"/>
-              <a:t>13-12-2020</a:t>
+              <a:t>26-12-2020</a:t>
             </a:fld>
             <a:endParaRPr lang="en-IN"/>
           </a:p>
@@ -2341,7 +2341,7 @@
           <a:p>
             <a:fld id="{AAAFDAC1-E73E-4D41-B9D9-D9AB5226AECC}" type="datetimeFigureOut">
               <a:rPr lang="en-IN" smtClean="0"/>
-              <a:t>13-12-2020</a:t>
+              <a:t>26-12-2020</a:t>
             </a:fld>
             <a:endParaRPr lang="en-IN"/>
           </a:p>
@@ -2454,7 +2454,7 @@
           <a:p>
             <a:fld id="{AAAFDAC1-E73E-4D41-B9D9-D9AB5226AECC}" type="datetimeFigureOut">
               <a:rPr lang="en-IN" smtClean="0"/>
-              <a:t>13-12-2020</a:t>
+              <a:t>26-12-2020</a:t>
             </a:fld>
             <a:endParaRPr lang="en-IN"/>
           </a:p>
@@ -2767,7 +2767,7 @@
           <a:p>
             <a:fld id="{AAAFDAC1-E73E-4D41-B9D9-D9AB5226AECC}" type="datetimeFigureOut">
               <a:rPr lang="en-IN" smtClean="0"/>
-              <a:t>13-12-2020</a:t>
+              <a:t>26-12-2020</a:t>
             </a:fld>
             <a:endParaRPr lang="en-IN"/>
           </a:p>
@@ -3056,7 +3056,7 @@
           <a:p>
             <a:fld id="{AAAFDAC1-E73E-4D41-B9D9-D9AB5226AECC}" type="datetimeFigureOut">
               <a:rPr lang="en-IN" smtClean="0"/>
-              <a:t>13-12-2020</a:t>
+              <a:t>26-12-2020</a:t>
             </a:fld>
             <a:endParaRPr lang="en-IN"/>
           </a:p>
@@ -3299,7 +3299,7 @@
           <a:p>
             <a:fld id="{AAAFDAC1-E73E-4D41-B9D9-D9AB5226AECC}" type="datetimeFigureOut">
               <a:rPr lang="en-IN" smtClean="0"/>
-              <a:t>13-12-2020</a:t>
+              <a:t>26-12-2020</a:t>
             </a:fld>
             <a:endParaRPr lang="en-IN"/>
           </a:p>
@@ -3875,7 +3875,7 @@
                 <a:latin typeface="Verdana" panose="020B0604030504040204" pitchFamily="34" charset="0"/>
                 <a:ea typeface="Verdana" panose="020B0604030504040204" pitchFamily="34" charset="0"/>
               </a:rPr>
-              <a:t>XX-XXX-2021</a:t>
+              <a:t>26-Dec-2020</a:t>
             </a:r>
           </a:p>
         </p:txBody>
@@ -4057,7 +4057,7 @@
                 <a:latin typeface="Verdana" panose="020B0604030504040204" pitchFamily="34" charset="0"/>
                 <a:ea typeface="Verdana" panose="020B0604030504040204" pitchFamily="34" charset="0"/>
               </a:rPr>
-              <a:t>Dot Net Knowledge Sharers</a:t>
+              <a:t>Dot Net Learners House</a:t>
             </a:r>
           </a:p>
         </p:txBody>
@@ -4421,7 +4421,7 @@
                 <a:latin typeface="Verdana" panose="020B0604030504040204" pitchFamily="34" charset="0"/>
                 <a:ea typeface="Verdana" panose="020B0604030504040204" pitchFamily="34" charset="0"/>
               </a:rPr>
-              <a:t>XX-XXX-2021</a:t>
+              <a:t>26-Dec-2020</a:t>
             </a:r>
           </a:p>
         </p:txBody>
@@ -4603,7 +4603,7 @@
                 <a:latin typeface="Verdana" panose="020B0604030504040204" pitchFamily="34" charset="0"/>
                 <a:ea typeface="Verdana" panose="020B0604030504040204" pitchFamily="34" charset="0"/>
               </a:rPr>
-              <a:t>Dot Net Knowledge Sharers</a:t>
+              <a:t>Dot Net Learners House</a:t>
             </a:r>
           </a:p>
         </p:txBody>
@@ -4939,7 +4939,7 @@
                 <a:latin typeface="Verdana" panose="020B0604030504040204" pitchFamily="34" charset="0"/>
                 <a:ea typeface="Verdana" panose="020B0604030504040204" pitchFamily="34" charset="0"/>
               </a:rPr>
-              <a:t>XX-XXX-2021</a:t>
+              <a:t>26-Dec-2020</a:t>
             </a:r>
           </a:p>
         </p:txBody>
@@ -5121,7 +5121,7 @@
                 <a:latin typeface="Verdana" panose="020B0604030504040204" pitchFamily="34" charset="0"/>
                 <a:ea typeface="Verdana" panose="020B0604030504040204" pitchFamily="34" charset="0"/>
               </a:rPr>
-              <a:t>Dot Net Knowledge Sharers</a:t>
+              <a:t>Dot Net Learners House</a:t>
             </a:r>
           </a:p>
         </p:txBody>
@@ -5377,7 +5377,7 @@
                 <a:latin typeface="Verdana" panose="020B0604030504040204" pitchFamily="34" charset="0"/>
                 <a:ea typeface="Verdana" panose="020B0604030504040204" pitchFamily="34" charset="0"/>
               </a:rPr>
-              <a:t>XX-XXX-2021</a:t>
+              <a:t>26-Dec-2020</a:t>
             </a:r>
           </a:p>
         </p:txBody>
@@ -5559,7 +5559,7 @@
                 <a:latin typeface="Verdana" panose="020B0604030504040204" pitchFamily="34" charset="0"/>
                 <a:ea typeface="Verdana" panose="020B0604030504040204" pitchFamily="34" charset="0"/>
               </a:rPr>
-              <a:t>Dot Net Knowledge Sharers</a:t>
+              <a:t>Dot Net Learners House</a:t>
             </a:r>
           </a:p>
         </p:txBody>
@@ -5786,7 +5786,7 @@
                 <a:latin typeface="Verdana" panose="020B0604030504040204" pitchFamily="34" charset="0"/>
                 <a:ea typeface="Verdana" panose="020B0604030504040204" pitchFamily="34" charset="0"/>
               </a:rPr>
-              <a:t>XX-XXX-2021</a:t>
+              <a:t>26-Dec-2020</a:t>
             </a:r>
           </a:p>
         </p:txBody>
@@ -5968,7 +5968,7 @@
                 <a:latin typeface="Verdana" panose="020B0604030504040204" pitchFamily="34" charset="0"/>
                 <a:ea typeface="Verdana" panose="020B0604030504040204" pitchFamily="34" charset="0"/>
               </a:rPr>
-              <a:t>Dot Net Knowledge Sharers</a:t>
+              <a:t>Dot Net Learners House</a:t>
             </a:r>
           </a:p>
         </p:txBody>
